--- a/DemoDay.pptx
+++ b/DemoDay.pptx
@@ -4153,7 +4153,7 @@
         <p:spPr bwMode="auto">
           <a:xfrm>
             <a:off x="6778838" y="4312114"/>
-            <a:ext cx="4678216" cy="2452237"/>
+            <a:ext cx="4480833" cy="2452237"/>
           </a:xfrm>
           <a:prstGeom prst="rect">
             <a:avLst/>

--- a/DemoDay.pptx
+++ b/DemoDay.pptx
@@ -5,7 +5,7 @@
     <p:sldMasterId id="2147483648" r:id="rId1"/>
   </p:sldMasterIdLst>
   <p:notesMasterIdLst>
-    <p:notesMasterId r:id="rId16"/>
+    <p:notesMasterId r:id="rId17"/>
   </p:notesMasterIdLst>
   <p:sldIdLst>
     <p:sldId id="256" r:id="rId2"/>
@@ -17,11 +17,12 @@
     <p:sldId id="260" r:id="rId8"/>
     <p:sldId id="266" r:id="rId9"/>
     <p:sldId id="264" r:id="rId10"/>
-    <p:sldId id="265" r:id="rId11"/>
-    <p:sldId id="272" r:id="rId12"/>
+    <p:sldId id="272" r:id="rId11"/>
+    <p:sldId id="265" r:id="rId12"/>
     <p:sldId id="268" r:id="rId13"/>
     <p:sldId id="273" r:id="rId14"/>
     <p:sldId id="267" r:id="rId15"/>
+    <p:sldId id="275" r:id="rId16"/>
   </p:sldIdLst>
   <p:sldSz cx="12192000" cy="6858000"/>
   <p:notesSz cx="6858000" cy="9144000"/>
@@ -1023,7 +1024,7 @@
     </p:spTree>
     <p:extLst>
       <p:ext uri="{BB962C8B-B14F-4D97-AF65-F5344CB8AC3E}">
-        <p14:creationId xmlns:p14="http://schemas.microsoft.com/office/powerpoint/2010/main" val="2041726725"/>
+        <p14:creationId xmlns:p14="http://schemas.microsoft.com/office/powerpoint/2010/main" val="110790999"/>
       </p:ext>
     </p:extLst>
   </p:cSld>
@@ -1107,7 +1108,7 @@
     </p:spTree>
     <p:extLst>
       <p:ext uri="{BB962C8B-B14F-4D97-AF65-F5344CB8AC3E}">
-        <p14:creationId xmlns:p14="http://schemas.microsoft.com/office/powerpoint/2010/main" val="110790999"/>
+        <p14:creationId xmlns:p14="http://schemas.microsoft.com/office/powerpoint/2010/main" val="2041726725"/>
       </p:ext>
     </p:extLst>
   </p:cSld>
@@ -3033,7 +3034,7 @@
                   <a:srgbClr val="F7A901"/>
                 </a:solidFill>
               </a:rPr>
-              <a:t>Identify highly active users to serve as ambassadors :</a:t>
+              <a:t>Enhancing Reciprocal Exchanges:</a:t>
             </a:r>
           </a:p>
           <a:p>
@@ -3043,7 +3044,7 @@
             </a:pPr>
             <a:r>
               <a:rPr lang="en-US" sz="1600" dirty="0"/>
-              <a:t>Enhance user profiles by including social media information.</a:t>
+              <a:t>Encourage reciprocal exchanges by offering advantages or exclusive features to users participating in such exchanges.</a:t>
             </a:r>
           </a:p>
           <a:p>
@@ -3053,27 +3054,17 @@
             </a:pPr>
             <a:r>
               <a:rPr lang="en-US" sz="1600" dirty="0"/>
-              <a:t>Utilize ambassadors to promote the platform and engage with the community.</a:t>
-            </a:r>
-          </a:p>
-          <a:p>
-            <a:pPr algn="just">
-              <a:buFont typeface="+mj-lt"/>
-              <a:buAutoNum type="arabicPeriod"/>
-            </a:pPr>
-            <a:r>
-              <a:rPr lang="en-US" sz="1600" dirty="0"/>
-              <a:t>Recognize and reward users who successfully refer a significant number of new users.</a:t>
+              <a:t>Increase the visibility of reciprocal users by adding a badge to their profiles, attracting attention from new subscribers.</a:t>
             </a:r>
           </a:p>
         </p:txBody>
       </p:sp>
       <p:pic>
         <p:nvPicPr>
-          <p:cNvPr id="5" name="Image 4">
-            <a:extLst>
-              <a:ext uri="{FF2B5EF4-FFF2-40B4-BE49-F238E27FC236}">
-                <a16:creationId xmlns:a16="http://schemas.microsoft.com/office/drawing/2014/main" id="{1650A946-83F8-3A9B-7978-8C2AE41F0A71}"/>
+          <p:cNvPr id="7" name="Image 6">
+            <a:extLst>
+              <a:ext uri="{FF2B5EF4-FFF2-40B4-BE49-F238E27FC236}">
+                <a16:creationId xmlns:a16="http://schemas.microsoft.com/office/drawing/2014/main" id="{25B5C143-866C-4258-FD5D-3EF6363FBDFC}"/>
               </a:ext>
             </a:extLst>
           </p:cNvPr>
@@ -3083,10 +3074,15 @@
           <p:nvPr/>
         </p:nvPicPr>
         <p:blipFill>
-          <a:blip r:embed="rId3"/>
-          <a:stretch>
-            <a:fillRect/>
-          </a:stretch>
+          <a:blip r:embed="rId3">
+            <a:extLst>
+              <a:ext uri="{28A0092B-C50C-407E-A947-70E740481C1C}">
+                <a14:useLocalDpi xmlns:a14="http://schemas.microsoft.com/office/drawing/2010/main" val="0"/>
+              </a:ext>
+            </a:extLst>
+          </a:blip>
+          <a:srcRect/>
+          <a:stretch/>
         </p:blipFill>
         <p:spPr>
           <a:xfrm>
@@ -3101,7 +3097,7 @@
     </p:spTree>
     <p:extLst>
       <p:ext uri="{BB962C8B-B14F-4D97-AF65-F5344CB8AC3E}">
-        <p14:creationId xmlns:p14="http://schemas.microsoft.com/office/powerpoint/2010/main" val="2116099078"/>
+        <p14:creationId xmlns:p14="http://schemas.microsoft.com/office/powerpoint/2010/main" val="285964844"/>
       </p:ext>
     </p:extLst>
   </p:cSld>
@@ -3202,7 +3198,7 @@
                   <a:srgbClr val="F7A901"/>
                 </a:solidFill>
               </a:rPr>
-              <a:t>Enhancing Reciprocal Exchanges:</a:t>
+              <a:t>Identify highly active users to serve as ambassadors :</a:t>
             </a:r>
           </a:p>
           <a:p>
@@ -3212,7 +3208,7 @@
             </a:pPr>
             <a:r>
               <a:rPr lang="en-US" sz="1600" dirty="0"/>
-              <a:t>Encourage reciprocal exchanges by offering advantages or exclusive features to users participating in such exchanges.</a:t>
+              <a:t>Enhance user profiles by including social media information.</a:t>
             </a:r>
           </a:p>
           <a:p>
@@ -3222,17 +3218,27 @@
             </a:pPr>
             <a:r>
               <a:rPr lang="en-US" sz="1600" dirty="0"/>
-              <a:t>Increase the visibility of reciprocal users by adding a badge to their profiles, attracting attention from new subscribers.</a:t>
+              <a:t>Utilize ambassadors to promote the platform and engage with the community.</a:t>
+            </a:r>
+          </a:p>
+          <a:p>
+            <a:pPr algn="just">
+              <a:buFont typeface="+mj-lt"/>
+              <a:buAutoNum type="arabicPeriod"/>
+            </a:pPr>
+            <a:r>
+              <a:rPr lang="en-US" sz="1600" dirty="0"/>
+              <a:t>Recognize and reward users who successfully refer a significant number of new users.</a:t>
             </a:r>
           </a:p>
         </p:txBody>
       </p:sp>
       <p:pic>
         <p:nvPicPr>
-          <p:cNvPr id="7" name="Image 6">
-            <a:extLst>
-              <a:ext uri="{FF2B5EF4-FFF2-40B4-BE49-F238E27FC236}">
-                <a16:creationId xmlns:a16="http://schemas.microsoft.com/office/drawing/2014/main" id="{25B5C143-866C-4258-FD5D-3EF6363FBDFC}"/>
+          <p:cNvPr id="5" name="Image 4">
+            <a:extLst>
+              <a:ext uri="{FF2B5EF4-FFF2-40B4-BE49-F238E27FC236}">
+                <a16:creationId xmlns:a16="http://schemas.microsoft.com/office/drawing/2014/main" id="{1650A946-83F8-3A9B-7978-8C2AE41F0A71}"/>
               </a:ext>
             </a:extLst>
           </p:cNvPr>
@@ -3242,15 +3248,10 @@
           <p:nvPr/>
         </p:nvPicPr>
         <p:blipFill>
-          <a:blip r:embed="rId3">
-            <a:extLst>
-              <a:ext uri="{28A0092B-C50C-407E-A947-70E740481C1C}">
-                <a14:useLocalDpi xmlns:a14="http://schemas.microsoft.com/office/drawing/2010/main" val="0"/>
-              </a:ext>
-            </a:extLst>
-          </a:blip>
-          <a:srcRect/>
-          <a:stretch/>
+          <a:blip r:embed="rId3"/>
+          <a:stretch>
+            <a:fillRect/>
+          </a:stretch>
         </p:blipFill>
         <p:spPr>
           <a:xfrm>
@@ -3265,7 +3266,7 @@
     </p:spTree>
     <p:extLst>
       <p:ext uri="{BB962C8B-B14F-4D97-AF65-F5344CB8AC3E}">
-        <p14:creationId xmlns:p14="http://schemas.microsoft.com/office/powerpoint/2010/main" val="285964844"/>
+        <p14:creationId xmlns:p14="http://schemas.microsoft.com/office/powerpoint/2010/main" val="2116099078"/>
       </p:ext>
     </p:extLst>
   </p:cSld>
@@ -3887,20 +3888,26 @@
           </a:p>
           <a:p>
             <a:r>
-              <a:rPr lang="en-US" sz="2000" dirty="0"/>
+              <a:rPr lang="en-US" sz="1800" dirty="0"/>
               <a:t>More parameters analysis</a:t>
             </a:r>
           </a:p>
           <a:p>
             <a:r>
-              <a:rPr lang="en-US" sz="2000" dirty="0"/>
+              <a:rPr lang="en-US" sz="1800" dirty="0"/>
+              <a:t>Statistical tests</a:t>
+            </a:r>
+          </a:p>
+          <a:p>
+            <a:r>
+              <a:rPr lang="en-US" sz="1800" dirty="0"/>
               <a:t>Prediction of which users are highly likely to become churners</a:t>
             </a:r>
           </a:p>
           <a:p>
             <a:r>
-              <a:rPr lang="en-US" sz="2000" dirty="0"/>
-              <a:t>Prediction of the number of subscription for the following months. </a:t>
+              <a:rPr lang="en-US" sz="1800" dirty="0"/>
+              <a:t>Prediction of the number of subscription for the following months</a:t>
             </a:r>
           </a:p>
         </p:txBody>
@@ -3934,7 +3941,7 @@
         </p:blipFill>
         <p:spPr bwMode="auto">
           <a:xfrm>
-            <a:off x="5200650" y="1256720"/>
+            <a:off x="5177437" y="1292578"/>
             <a:ext cx="705267" cy="705267"/>
           </a:xfrm>
           <a:prstGeom prst="rect">
@@ -4228,6 +4235,203 @@
 </p:sld>
 </file>
 
+<file path=ppt/slides/slide15.xml><?xml version="1.0" encoding="utf-8"?>
+<p:sld xmlns:a="http://schemas.openxmlformats.org/drawingml/2006/main" xmlns:r="http://schemas.openxmlformats.org/officeDocument/2006/relationships" xmlns:p="http://schemas.openxmlformats.org/presentationml/2006/main">
+  <p:cSld>
+    <p:spTree>
+      <p:nvGrpSpPr>
+        <p:cNvPr id="1" name=""/>
+        <p:cNvGrpSpPr/>
+        <p:nvPr/>
+      </p:nvGrpSpPr>
+      <p:grpSpPr>
+        <a:xfrm>
+          <a:off x="0" y="0"/>
+          <a:ext cx="0" cy="0"/>
+          <a:chOff x="0" y="0"/>
+          <a:chExt cx="0" cy="0"/>
+        </a:xfrm>
+      </p:grpSpPr>
+      <p:sp>
+        <p:nvSpPr>
+          <p:cNvPr id="10" name="Titre 9">
+            <a:extLst>
+              <a:ext uri="{FF2B5EF4-FFF2-40B4-BE49-F238E27FC236}">
+                <a16:creationId xmlns:a16="http://schemas.microsoft.com/office/drawing/2014/main" id="{7771BC18-10E6-E886-471C-F8D86998256A}"/>
+              </a:ext>
+            </a:extLst>
+          </p:cNvPr>
+          <p:cNvSpPr>
+            <a:spLocks noGrp="1"/>
+          </p:cNvSpPr>
+          <p:nvPr>
+            <p:ph type="title"/>
+          </p:nvPr>
+        </p:nvSpPr>
+        <p:spPr>
+          <a:xfrm>
+            <a:off x="6617157" y="1219668"/>
+            <a:ext cx="5513797" cy="4418664"/>
+          </a:xfrm>
+        </p:spPr>
+        <p:txBody>
+          <a:bodyPr/>
+          <a:lstStyle/>
+          <a:p>
+            <a:br>
+              <a:rPr lang="en-US" dirty="0"/>
+            </a:br>
+            <a:br>
+              <a:rPr lang="en-US" dirty="0"/>
+            </a:br>
+            <a:r>
+              <a:rPr lang="en-US" dirty="0"/>
+              <a:t>Demo Day</a:t>
+            </a:r>
+            <a:br>
+              <a:rPr lang="en-US" dirty="0"/>
+            </a:br>
+            <a:r>
+              <a:rPr lang="en-US" sz="3200" b="0" dirty="0">
+                <a:solidFill>
+                  <a:schemeClr val="tx1">
+                    <a:lumMod val="50000"/>
+                    <a:lumOff val="50000"/>
+                  </a:schemeClr>
+                </a:solidFill>
+              </a:rPr>
+              <a:t>#Batch 1203</a:t>
+            </a:r>
+            <a:br>
+              <a:rPr lang="en-US" sz="3200" b="0" dirty="0">
+                <a:solidFill>
+                  <a:schemeClr val="tx1">
+                    <a:lumMod val="50000"/>
+                    <a:lumOff val="50000"/>
+                  </a:schemeClr>
+                </a:solidFill>
+              </a:rPr>
+            </a:br>
+            <a:br>
+              <a:rPr lang="en-US" sz="3200" b="0" dirty="0">
+                <a:solidFill>
+                  <a:schemeClr val="tx1">
+                    <a:lumMod val="50000"/>
+                    <a:lumOff val="50000"/>
+                  </a:schemeClr>
+                </a:solidFill>
+              </a:rPr>
+            </a:br>
+            <a:r>
+              <a:rPr lang="en-US" sz="3200" b="0" dirty="0">
+                <a:solidFill>
+                  <a:schemeClr val="tx1">
+                    <a:lumMod val="50000"/>
+                    <a:lumOff val="50000"/>
+                  </a:schemeClr>
+                </a:solidFill>
+              </a:rPr>
+              <a:t>Chloé Therreau </a:t>
+            </a:r>
+            <a:endParaRPr lang="en-US" b="0" dirty="0">
+              <a:solidFill>
+                <a:schemeClr val="tx1">
+                  <a:lumMod val="50000"/>
+                  <a:lumOff val="50000"/>
+                </a:schemeClr>
+              </a:solidFill>
+            </a:endParaRPr>
+          </a:p>
+        </p:txBody>
+      </p:sp>
+      <p:pic>
+        <p:nvPicPr>
+          <p:cNvPr id="17" name="Image 16" descr="Une image contenant Graphique, Police, logo, capture d’écran&#10;&#10;Description générée automatiquement">
+            <a:extLst>
+              <a:ext uri="{FF2B5EF4-FFF2-40B4-BE49-F238E27FC236}">
+                <a16:creationId xmlns:a16="http://schemas.microsoft.com/office/drawing/2014/main" id="{29670216-B335-75B9-7D6E-D1F91FBDC68B}"/>
+              </a:ext>
+            </a:extLst>
+          </p:cNvPr>
+          <p:cNvPicPr>
+            <a:picLocks noChangeAspect="1"/>
+          </p:cNvPicPr>
+          <p:nvPr/>
+        </p:nvPicPr>
+        <p:blipFill>
+          <a:blip r:embed="rId2">
+            <a:extLst>
+              <a:ext uri="{28A0092B-C50C-407E-A947-70E740481C1C}">
+                <a14:useLocalDpi xmlns:a14="http://schemas.microsoft.com/office/drawing/2010/main" val="0"/>
+              </a:ext>
+            </a:extLst>
+          </a:blip>
+          <a:stretch>
+            <a:fillRect/>
+          </a:stretch>
+        </p:blipFill>
+        <p:spPr>
+          <a:xfrm>
+            <a:off x="6801728" y="1533704"/>
+            <a:ext cx="5144654" cy="1359012"/>
+          </a:xfrm>
+          <a:prstGeom prst="rect">
+            <a:avLst/>
+          </a:prstGeom>
+        </p:spPr>
+      </p:pic>
+      <p:sp>
+        <p:nvSpPr>
+          <p:cNvPr id="3" name="ZoneTexte 2">
+            <a:extLst>
+              <a:ext uri="{FF2B5EF4-FFF2-40B4-BE49-F238E27FC236}">
+                <a16:creationId xmlns:a16="http://schemas.microsoft.com/office/drawing/2014/main" id="{3C2D4591-F7EA-285E-5E29-5F6B62B8A897}"/>
+              </a:ext>
+            </a:extLst>
+          </p:cNvPr>
+          <p:cNvSpPr txBox="1"/>
+          <p:nvPr/>
+        </p:nvSpPr>
+        <p:spPr>
+          <a:xfrm>
+            <a:off x="1730188" y="4651071"/>
+            <a:ext cx="6096000" cy="769441"/>
+          </a:xfrm>
+          <a:prstGeom prst="rect">
+            <a:avLst/>
+          </a:prstGeom>
+          <a:noFill/>
+        </p:spPr>
+        <p:txBody>
+          <a:bodyPr wrap="square">
+            <a:spAutoFit/>
+          </a:bodyPr>
+          <a:lstStyle/>
+          <a:p>
+            <a:r>
+              <a:rPr lang="en-US" sz="4400" dirty="0">
+                <a:solidFill>
+                  <a:schemeClr val="bg1"/>
+                </a:solidFill>
+              </a:rPr>
+              <a:t>Thank you</a:t>
+            </a:r>
+          </a:p>
+        </p:txBody>
+      </p:sp>
+    </p:spTree>
+    <p:extLst>
+      <p:ext uri="{BB962C8B-B14F-4D97-AF65-F5344CB8AC3E}">
+        <p14:creationId xmlns:p14="http://schemas.microsoft.com/office/powerpoint/2010/main" val="1121966372"/>
+      </p:ext>
+    </p:extLst>
+  </p:cSld>
+  <p:clrMapOvr>
+    <a:masterClrMapping/>
+  </p:clrMapOvr>
+</p:sld>
+</file>
+
 <file path=ppt/slides/slide2.xml><?xml version="1.0" encoding="utf-8"?>
 <p:sld xmlns:a="http://schemas.openxmlformats.org/drawingml/2006/main" xmlns:r="http://schemas.openxmlformats.org/officeDocument/2006/relationships" xmlns:p="http://schemas.openxmlformats.org/presentationml/2006/main">
   <p:cSld>
@@ -4298,8 +4502,8 @@
         </p:blipFill>
         <p:spPr>
           <a:xfrm>
-            <a:off x="182563" y="1514388"/>
-            <a:ext cx="11826875" cy="4870624"/>
+            <a:off x="182564" y="1514388"/>
+            <a:ext cx="11821676" cy="4868483"/>
           </a:xfrm>
         </p:spPr>
       </p:pic>
@@ -4980,7 +5184,7 @@
         </p:blipFill>
         <p:spPr bwMode="auto">
           <a:xfrm>
-            <a:off x="0" y="1742556"/>
+            <a:off x="0" y="1751521"/>
             <a:ext cx="6302875" cy="4061730"/>
           </a:xfrm>
           <a:prstGeom prst="rect">
@@ -5159,7 +5363,7 @@
         </p:blipFill>
         <p:spPr bwMode="auto">
           <a:xfrm>
-            <a:off x="6223000" y="1689565"/>
+            <a:off x="6223000" y="1608882"/>
             <a:ext cx="5969000" cy="4218643"/>
           </a:xfrm>
           <a:prstGeom prst="rect">
@@ -5177,34 +5381,6 @@
           </a:extLst>
         </p:spPr>
       </p:pic>
-      <p:sp>
-        <p:nvSpPr>
-          <p:cNvPr id="3" name="Titre 2">
-            <a:extLst>
-              <a:ext uri="{FF2B5EF4-FFF2-40B4-BE49-F238E27FC236}">
-                <a16:creationId xmlns:a16="http://schemas.microsoft.com/office/drawing/2014/main" id="{E3FAAABC-0AA7-9841-7CC8-EBEBEC014F97}"/>
-              </a:ext>
-            </a:extLst>
-          </p:cNvPr>
-          <p:cNvSpPr>
-            <a:spLocks noGrp="1"/>
-          </p:cNvSpPr>
-          <p:nvPr>
-            <p:ph type="title"/>
-          </p:nvPr>
-        </p:nvSpPr>
-        <p:spPr/>
-        <p:txBody>
-          <a:bodyPr/>
-          <a:lstStyle/>
-          <a:p>
-            <a:r>
-              <a:rPr lang="en-US" dirty="0"/>
-              <a:t>Number of subscriptions</a:t>
-            </a:r>
-          </a:p>
-        </p:txBody>
-      </p:sp>
       <p:pic>
         <p:nvPicPr>
           <p:cNvPr id="5122" name="Picture 2">
@@ -5234,7 +5410,7 @@
         </p:blipFill>
         <p:spPr bwMode="auto">
           <a:xfrm>
-            <a:off x="0" y="1689565"/>
+            <a:off x="35858" y="1608882"/>
             <a:ext cx="6327965" cy="4218643"/>
           </a:xfrm>
           <a:prstGeom prst="rect">
@@ -5252,6 +5428,140 @@
           </a:extLst>
         </p:spPr>
       </p:pic>
+      <p:sp>
+        <p:nvSpPr>
+          <p:cNvPr id="3" name="Titre 2">
+            <a:extLst>
+              <a:ext uri="{FF2B5EF4-FFF2-40B4-BE49-F238E27FC236}">
+                <a16:creationId xmlns:a16="http://schemas.microsoft.com/office/drawing/2014/main" id="{E3FAAABC-0AA7-9841-7CC8-EBEBEC014F97}"/>
+              </a:ext>
+            </a:extLst>
+          </p:cNvPr>
+          <p:cNvSpPr>
+            <a:spLocks noGrp="1"/>
+          </p:cNvSpPr>
+          <p:nvPr>
+            <p:ph type="title"/>
+          </p:nvPr>
+        </p:nvSpPr>
+        <p:spPr/>
+        <p:txBody>
+          <a:bodyPr/>
+          <a:lstStyle/>
+          <a:p>
+            <a:r>
+              <a:rPr lang="en-US" dirty="0"/>
+              <a:t>Number of subscriptions</a:t>
+            </a:r>
+          </a:p>
+        </p:txBody>
+      </p:sp>
+      <p:sp>
+        <p:nvSpPr>
+          <p:cNvPr id="5" name="Rectangle 4">
+            <a:extLst>
+              <a:ext uri="{FF2B5EF4-FFF2-40B4-BE49-F238E27FC236}">
+                <a16:creationId xmlns:a16="http://schemas.microsoft.com/office/drawing/2014/main" id="{E48B1303-BA00-5903-C697-97F88E1ED82E}"/>
+              </a:ext>
+            </a:extLst>
+          </p:cNvPr>
+          <p:cNvSpPr/>
+          <p:nvPr/>
+        </p:nvSpPr>
+        <p:spPr>
+          <a:xfrm>
+            <a:off x="3661888" y="5298985"/>
+            <a:ext cx="908618" cy="93895"/>
+          </a:xfrm>
+          <a:prstGeom prst="rect">
+            <a:avLst/>
+          </a:prstGeom>
+          <a:solidFill>
+            <a:srgbClr val="FFFFFF"/>
+          </a:solidFill>
+          <a:ln>
+            <a:solidFill>
+              <a:srgbClr val="FFFFFF"/>
+            </a:solidFill>
+          </a:ln>
+        </p:spPr>
+        <p:style>
+          <a:lnRef idx="2">
+            <a:schemeClr val="accent1">
+              <a:shade val="50000"/>
+            </a:schemeClr>
+          </a:lnRef>
+          <a:fillRef idx="1">
+            <a:schemeClr val="accent1"/>
+          </a:fillRef>
+          <a:effectRef idx="0">
+            <a:schemeClr val="accent1"/>
+          </a:effectRef>
+          <a:fontRef idx="minor">
+            <a:schemeClr val="lt1"/>
+          </a:fontRef>
+        </p:style>
+        <p:txBody>
+          <a:bodyPr rtlCol="0" anchor="ctr"/>
+          <a:lstStyle/>
+          <a:p>
+            <a:pPr algn="ctr"/>
+            <a:endParaRPr lang="en-US"/>
+          </a:p>
+        </p:txBody>
+      </p:sp>
+      <p:sp>
+        <p:nvSpPr>
+          <p:cNvPr id="2" name="ZoneTexte 1">
+            <a:extLst>
+              <a:ext uri="{FF2B5EF4-FFF2-40B4-BE49-F238E27FC236}">
+                <a16:creationId xmlns:a16="http://schemas.microsoft.com/office/drawing/2014/main" id="{F1047B9B-1B5A-E9C6-25E3-40B75284B42F}"/>
+              </a:ext>
+            </a:extLst>
+          </p:cNvPr>
+          <p:cNvSpPr txBox="1"/>
+          <p:nvPr/>
+        </p:nvSpPr>
+        <p:spPr>
+          <a:xfrm>
+            <a:off x="4035321" y="5220280"/>
+            <a:ext cx="287258" cy="215444"/>
+          </a:xfrm>
+          <a:prstGeom prst="rect">
+            <a:avLst/>
+          </a:prstGeom>
+          <a:noFill/>
+          <a:ln>
+            <a:noFill/>
+          </a:ln>
+        </p:spPr>
+        <p:style>
+          <a:lnRef idx="2">
+            <a:schemeClr val="accent6"/>
+          </a:lnRef>
+          <a:fillRef idx="1">
+            <a:schemeClr val="lt1"/>
+          </a:fillRef>
+          <a:effectRef idx="0">
+            <a:schemeClr val="accent6"/>
+          </a:effectRef>
+          <a:fontRef idx="minor">
+            <a:schemeClr val="dk1"/>
+          </a:fontRef>
+        </p:style>
+        <p:txBody>
+          <a:bodyPr wrap="none" rtlCol="0">
+            <a:spAutoFit/>
+          </a:bodyPr>
+          <a:lstStyle/>
+          <a:p>
+            <a:r>
+              <a:rPr lang="en-US" sz="800" dirty="0"/>
+              <a:t>2+</a:t>
+            </a:r>
+          </a:p>
+        </p:txBody>
+      </p:sp>
     </p:spTree>
     <p:extLst>
       <p:ext uri="{BB962C8B-B14F-4D97-AF65-F5344CB8AC3E}">
@@ -5418,8 +5728,8 @@
         </p:nvSpPr>
         <p:spPr>
           <a:xfrm>
-            <a:off x="6096000" y="6162786"/>
-            <a:ext cx="6148286" cy="369332"/>
+            <a:off x="6711632" y="5832600"/>
+            <a:ext cx="4821128" cy="307777"/>
           </a:xfrm>
           <a:prstGeom prst="rect">
             <a:avLst/>
@@ -5433,7 +5743,7 @@
           <a:lstStyle/>
           <a:p>
             <a:r>
-              <a:rPr lang="en-US" dirty="0"/>
+              <a:rPr lang="en-US" sz="1400" dirty="0"/>
               <a:t>North American users show  a smaller churn rate that European</a:t>
             </a:r>
           </a:p>
@@ -5656,17 +5966,19 @@
       </p:grpSpPr>
       <p:pic>
         <p:nvPicPr>
-          <p:cNvPr id="15" name="Image 14">
-            <a:extLst>
-              <a:ext uri="{FF2B5EF4-FFF2-40B4-BE49-F238E27FC236}">
-                <a16:creationId xmlns:a16="http://schemas.microsoft.com/office/drawing/2014/main" id="{520ACD8B-97A9-4B06-BAEF-D49A9822D4E9}"/>
+          <p:cNvPr id="6146" name="Picture 2">
+            <a:extLst>
+              <a:ext uri="{FF2B5EF4-FFF2-40B4-BE49-F238E27FC236}">
+                <a16:creationId xmlns:a16="http://schemas.microsoft.com/office/drawing/2014/main" id="{156FF443-F543-5D12-6187-71B6291F4D59}"/>
               </a:ext>
             </a:extLst>
           </p:cNvPr>
           <p:cNvPicPr>
-            <a:picLocks noChangeAspect="1"/>
+            <a:picLocks noGrp="1" noChangeAspect="1" noChangeArrowheads="1"/>
           </p:cNvPicPr>
-          <p:nvPr/>
+          <p:nvPr>
+            <p:ph sz="quarter" idx="11"/>
+          </p:nvPr>
         </p:nvPicPr>
         <p:blipFill rotWithShape="1">
           <a:blip r:embed="rId3">
@@ -5676,78 +5988,13 @@
               </a:ext>
             </a:extLst>
           </a:blip>
-          <a:srcRect l="-865" r="33242"/>
-          <a:stretch/>
-        </p:blipFill>
-        <p:spPr>
-          <a:xfrm>
-            <a:off x="5438967" y="1664730"/>
-            <a:ext cx="6292786" cy="5115639"/>
-          </a:xfrm>
-          <a:prstGeom prst="rect">
-            <a:avLst/>
-          </a:prstGeom>
-        </p:spPr>
-      </p:pic>
-      <p:sp>
-        <p:nvSpPr>
-          <p:cNvPr id="3" name="Titre 2">
-            <a:extLst>
-              <a:ext uri="{FF2B5EF4-FFF2-40B4-BE49-F238E27FC236}">
-                <a16:creationId xmlns:a16="http://schemas.microsoft.com/office/drawing/2014/main" id="{425D5270-4076-1D7E-E18A-C90327DCEA35}"/>
-              </a:ext>
-            </a:extLst>
-          </p:cNvPr>
-          <p:cNvSpPr>
-            <a:spLocks noGrp="1"/>
-          </p:cNvSpPr>
-          <p:nvPr>
-            <p:ph type="title"/>
-          </p:nvPr>
-        </p:nvSpPr>
-        <p:spPr/>
-        <p:txBody>
-          <a:bodyPr/>
-          <a:lstStyle/>
-          <a:p>
-            <a:r>
-              <a:rPr lang="en-US" dirty="0"/>
-              <a:t>Type of users</a:t>
-            </a:r>
-          </a:p>
-        </p:txBody>
-      </p:sp>
-      <p:pic>
-        <p:nvPicPr>
-          <p:cNvPr id="6146" name="Picture 2">
-            <a:extLst>
-              <a:ext uri="{FF2B5EF4-FFF2-40B4-BE49-F238E27FC236}">
-                <a16:creationId xmlns:a16="http://schemas.microsoft.com/office/drawing/2014/main" id="{156FF443-F543-5D12-6187-71B6291F4D59}"/>
-              </a:ext>
-            </a:extLst>
-          </p:cNvPr>
-          <p:cNvPicPr>
-            <a:picLocks noGrp="1" noChangeAspect="1" noChangeArrowheads="1"/>
-          </p:cNvPicPr>
-          <p:nvPr>
-            <p:ph sz="quarter" idx="11"/>
-          </p:nvPr>
-        </p:nvPicPr>
-        <p:blipFill rotWithShape="1">
-          <a:blip r:embed="rId4">
-            <a:extLst>
-              <a:ext uri="{28A0092B-C50C-407E-A947-70E740481C1C}">
-                <a14:useLocalDpi xmlns:a14="http://schemas.microsoft.com/office/drawing/2010/main" val="0"/>
-              </a:ext>
-            </a:extLst>
-          </a:blip>
-          <a:srcRect l="22398" t="7293" r="21028" b="10277"/>
+          <a:srcRect l="15684" t="8124" r="15684"/>
           <a:stretch/>
         </p:blipFill>
         <p:spPr bwMode="auto">
           <a:xfrm>
-            <a:off x="1335" y="1576134"/>
-            <a:ext cx="5437631" cy="5281866"/>
+            <a:off x="86499" y="1861800"/>
+            <a:ext cx="5437631" cy="4852765"/>
           </a:xfrm>
           <a:prstGeom prst="rect">
             <a:avLst/>
@@ -5764,6 +6011,34 @@
           </a:extLst>
         </p:spPr>
       </p:pic>
+      <p:sp>
+        <p:nvSpPr>
+          <p:cNvPr id="3" name="Titre 2">
+            <a:extLst>
+              <a:ext uri="{FF2B5EF4-FFF2-40B4-BE49-F238E27FC236}">
+                <a16:creationId xmlns:a16="http://schemas.microsoft.com/office/drawing/2014/main" id="{425D5270-4076-1D7E-E18A-C90327DCEA35}"/>
+              </a:ext>
+            </a:extLst>
+          </p:cNvPr>
+          <p:cNvSpPr>
+            <a:spLocks noGrp="1"/>
+          </p:cNvSpPr>
+          <p:nvPr>
+            <p:ph type="title"/>
+          </p:nvPr>
+        </p:nvSpPr>
+        <p:spPr/>
+        <p:txBody>
+          <a:bodyPr/>
+          <a:lstStyle/>
+          <a:p>
+            <a:r>
+              <a:rPr lang="en-US" dirty="0"/>
+              <a:t>Type of users</a:t>
+            </a:r>
+          </a:p>
+        </p:txBody>
+      </p:sp>
       <p:pic>
         <p:nvPicPr>
           <p:cNvPr id="5" name="Picture 2">
@@ -5809,86 +6084,51 @@
           </a:extLst>
         </p:spPr>
       </p:pic>
-      <p:sp>
-        <p:nvSpPr>
-          <p:cNvPr id="17" name="Rectangle 16">
-            <a:extLst>
-              <a:ext uri="{FF2B5EF4-FFF2-40B4-BE49-F238E27FC236}">
-                <a16:creationId xmlns:a16="http://schemas.microsoft.com/office/drawing/2014/main" id="{38F0D669-C06D-28D2-4C38-CF4AA16E8B50}"/>
-              </a:ext>
-            </a:extLst>
-          </p:cNvPr>
-          <p:cNvSpPr/>
-          <p:nvPr/>
-        </p:nvSpPr>
-        <p:spPr>
-          <a:xfrm>
-            <a:off x="10988782" y="2128030"/>
-            <a:ext cx="1050817" cy="969013"/>
-          </a:xfrm>
-          <a:prstGeom prst="rect">
-            <a:avLst/>
-          </a:prstGeom>
-          <a:solidFill>
-            <a:schemeClr val="bg1"/>
-          </a:solidFill>
-          <a:ln>
-            <a:noFill/>
-          </a:ln>
-        </p:spPr>
-        <p:style>
-          <a:lnRef idx="2">
-            <a:schemeClr val="accent1">
-              <a:shade val="50000"/>
-            </a:schemeClr>
-          </a:lnRef>
-          <a:fillRef idx="1">
-            <a:schemeClr val="accent1"/>
-          </a:fillRef>
-          <a:effectRef idx="0">
-            <a:schemeClr val="accent1"/>
-          </a:effectRef>
-          <a:fontRef idx="minor">
-            <a:schemeClr val="lt1"/>
-          </a:fontRef>
-        </p:style>
-        <p:txBody>
-          <a:bodyPr rtlCol="0" anchor="ctr"/>
-          <a:lstStyle/>
-          <a:p>
-            <a:pPr algn="ctr"/>
-            <a:endParaRPr lang="en-US"/>
-          </a:p>
-        </p:txBody>
-      </p:sp>
       <p:pic>
         <p:nvPicPr>
-          <p:cNvPr id="4" name="Image 3">
-            <a:extLst>
-              <a:ext uri="{FF2B5EF4-FFF2-40B4-BE49-F238E27FC236}">
-                <a16:creationId xmlns:a16="http://schemas.microsoft.com/office/drawing/2014/main" id="{21C4DBA8-CB96-E7BF-3A0F-4D95FD211389}"/>
+          <p:cNvPr id="2050" name="Picture 2">
+            <a:extLst>
+              <a:ext uri="{FF2B5EF4-FFF2-40B4-BE49-F238E27FC236}">
+                <a16:creationId xmlns:a16="http://schemas.microsoft.com/office/drawing/2014/main" id="{E889D444-7263-C78B-AFB8-354109FCE875}"/>
               </a:ext>
             </a:extLst>
           </p:cNvPr>
           <p:cNvPicPr>
-            <a:picLocks noChangeAspect="1"/>
+            <a:picLocks noChangeAspect="1" noChangeArrowheads="1"/>
           </p:cNvPicPr>
           <p:nvPr/>
         </p:nvPicPr>
         <p:blipFill>
-          <a:blip r:embed="rId5"/>
+          <a:blip r:embed="rId5">
+            <a:extLst>
+              <a:ext uri="{28A0092B-C50C-407E-A947-70E740481C1C}">
+                <a14:useLocalDpi xmlns:a14="http://schemas.microsoft.com/office/drawing/2010/main" val="0"/>
+              </a:ext>
+            </a:extLst>
+          </a:blip>
+          <a:srcRect/>
           <a:stretch>
             <a:fillRect/>
           </a:stretch>
         </p:blipFill>
-        <p:spPr>
-          <a:xfrm>
-            <a:off x="8027659" y="1801394"/>
-            <a:ext cx="4163006" cy="962159"/>
+        <p:spPr bwMode="auto">
+          <a:xfrm>
+            <a:off x="4954120" y="1664731"/>
+            <a:ext cx="7237880" cy="4825253"/>
           </a:xfrm>
           <a:prstGeom prst="rect">
             <a:avLst/>
           </a:prstGeom>
+          <a:noFill/>
+          <a:extLst>
+            <a:ext uri="{909E8E84-426E-40DD-AFC4-6F175D3DCCD1}">
+              <a14:hiddenFill xmlns:a14="http://schemas.microsoft.com/office/drawing/2010/main">
+                <a:solidFill>
+                  <a:srgbClr val="FFFFFF"/>
+                </a:solidFill>
+              </a14:hiddenFill>
+            </a:ext>
+          </a:extLst>
         </p:spPr>
       </p:pic>
     </p:spTree>

--- a/DemoDay.pptx
+++ b/DemoDay.pptx
@@ -211,7 +211,7 @@
           <a:p>
             <a:fld id="{2BB4CE9C-1B04-4223-BB29-52A8A850CFFC}" type="datetimeFigureOut">
               <a:rPr lang="en-US" smtClean="0"/>
-              <a:t>6/15/2023</a:t>
+              <a:t>6/16/2023</a:t>
             </a:fld>
             <a:endParaRPr lang="en-US"/>
           </a:p>
@@ -4927,8 +4927,8 @@
         </p:nvSpPr>
         <p:spPr>
           <a:xfrm>
-            <a:off x="6253018" y="1656696"/>
-            <a:ext cx="5756564" cy="3544608"/>
+            <a:off x="6344744" y="1684184"/>
+            <a:ext cx="5400212" cy="4753069"/>
           </a:xfrm>
         </p:spPr>
         <p:txBody>
@@ -4937,8 +4937,9 @@
           </a:bodyPr>
           <a:lstStyle/>
           <a:p>
-            <a:r>
-              <a:rPr lang="en-US" b="1" dirty="0">
+            <a:pPr algn="just"/>
+            <a:r>
+              <a:rPr lang="en-US" sz="2000" b="1" dirty="0">
                 <a:solidFill>
                   <a:srgbClr val="F7A901"/>
                 </a:solidFill>
@@ -4947,22 +4948,23 @@
             </a:r>
           </a:p>
           <a:p>
-            <a:pPr lvl="1"/>
-            <a:r>
-              <a:rPr lang="en-US" dirty="0"/>
+            <a:pPr lvl="1" algn="just"/>
+            <a:r>
+              <a:rPr lang="en-US" sz="1800" dirty="0"/>
               <a:t>Subscriptions from 01-2019 to 10-2021</a:t>
             </a:r>
           </a:p>
           <a:p>
-            <a:pPr lvl="1"/>
-            <a:r>
-              <a:rPr lang="en-US" dirty="0"/>
+            <a:pPr lvl="1" algn="just"/>
+            <a:r>
+              <a:rPr lang="en-US" sz="1800" dirty="0"/>
               <a:t>Exchanges from 01-2019 to 10-2022 </a:t>
             </a:r>
           </a:p>
           <a:p>
-            <a:r>
-              <a:rPr lang="en-US" b="1" dirty="0">
+            <a:pPr algn="just"/>
+            <a:r>
+              <a:rPr lang="en-US" sz="2000" b="1" dirty="0">
                 <a:solidFill>
                   <a:srgbClr val="F7A901"/>
                 </a:solidFill>
@@ -4971,37 +4973,37 @@
             </a:r>
           </a:p>
           <a:p>
-            <a:pPr lvl="1"/>
-            <a:r>
-              <a:rPr lang="en-US" dirty="0"/>
+            <a:pPr lvl="1" algn="just"/>
+            <a:r>
+              <a:rPr lang="en-US" sz="1800" dirty="0"/>
               <a:t>Date of subscription</a:t>
             </a:r>
           </a:p>
           <a:p>
-            <a:pPr lvl="1"/>
-            <a:r>
-              <a:rPr lang="en-US" dirty="0"/>
+            <a:pPr lvl="1" algn="just"/>
+            <a:r>
+              <a:rPr lang="en-US" sz="1800" dirty="0"/>
               <a:t>Number of subscriptions for each user</a:t>
             </a:r>
           </a:p>
           <a:p>
-            <a:pPr lvl="1"/>
-            <a:r>
-              <a:rPr lang="en-US" dirty="0"/>
+            <a:pPr lvl="1" algn="just"/>
+            <a:r>
+              <a:rPr lang="en-US" sz="1800" dirty="0"/>
               <a:t>The use or not of promotion and referral</a:t>
             </a:r>
           </a:p>
           <a:p>
-            <a:pPr lvl="1"/>
-            <a:r>
-              <a:rPr lang="en-US" dirty="0"/>
+            <a:pPr lvl="1" algn="just"/>
+            <a:r>
+              <a:rPr lang="en-US" sz="1800" dirty="0"/>
               <a:t>Country</a:t>
             </a:r>
           </a:p>
           <a:p>
-            <a:pPr lvl="1"/>
-            <a:r>
-              <a:rPr lang="en-US" dirty="0"/>
+            <a:pPr lvl="1" algn="just"/>
+            <a:r>
+              <a:rPr lang="en-US" sz="1800" dirty="0"/>
               <a:t>Number of exchange done by the user (as host, guest, both or none) </a:t>
             </a:r>
           </a:p>
@@ -5247,7 +5249,7 @@
                 <a:effectLst/>
                 <a:latin typeface="Helvetica Neue"/>
               </a:rPr>
-              <a:t>3 times more exchange finalized in June 2021 compared to June 2019</a:t>
+              <a:t>3 times more exchanges finalized in June 2021 compared to June 2019</a:t>
             </a:r>
             <a:endParaRPr lang="en-US" dirty="0"/>
           </a:p>
@@ -5298,7 +5300,7 @@
                 <a:effectLst/>
                 <a:latin typeface="Helvetica Neue"/>
               </a:rPr>
-              <a:t> times more subscription in June 2021 compared to June 2019</a:t>
+              <a:t> times more subscriptions in June 2021 compared to June 2019</a:t>
             </a:r>
             <a:endParaRPr lang="en-US" dirty="0"/>
           </a:p>

--- a/DemoDay.pptx
+++ b/DemoDay.pptx
@@ -3034,27 +3034,27 @@
                   <a:srgbClr val="F7A901"/>
                 </a:solidFill>
               </a:rPr>
-              <a:t>Enhancing Reciprocal Exchanges:</a:t>
-            </a:r>
-          </a:p>
-          <a:p>
-            <a:pPr algn="just">
+              <a:t>Enhancing Exchanges (via GP or reciprocal):</a:t>
+            </a:r>
+          </a:p>
+          <a:p>
+            <a:pPr marL="342900" indent="-342900" algn="just">
               <a:buFont typeface="+mj-lt"/>
               <a:buAutoNum type="arabicPeriod"/>
             </a:pPr>
             <a:r>
               <a:rPr lang="en-US" sz="1600" dirty="0"/>
-              <a:t>Encourage reciprocal exchanges by offering advantages or exclusive features to users participating in such exchanges.</a:t>
-            </a:r>
-          </a:p>
-          <a:p>
-            <a:pPr algn="just">
+              <a:t>Encourage users to become hosts by offering them additional rewards when they become hosts for the first time</a:t>
+            </a:r>
+          </a:p>
+          <a:p>
+            <a:pPr marL="342900" indent="-342900" algn="just">
               <a:buFont typeface="+mj-lt"/>
               <a:buAutoNum type="arabicPeriod"/>
             </a:pPr>
             <a:r>
               <a:rPr lang="en-US" sz="1600" dirty="0"/>
-              <a:t>Increase the visibility of reciprocal users by adding a badge to their profiles, attracting attention from new subscribers.</a:t>
+              <a:t>Increase the visibility of hosts users by adding a badge to their profiles, attracting attention to them.</a:t>
             </a:r>
           </a:p>
         </p:txBody>
@@ -5990,13 +5990,13 @@
               </a:ext>
             </a:extLst>
           </a:blip>
-          <a:srcRect l="15684" t="8124" r="15684"/>
+          <a:srcRect l="21025" t="8124" r="15684"/>
           <a:stretch/>
         </p:blipFill>
         <p:spPr bwMode="auto">
           <a:xfrm>
-            <a:off x="86499" y="1861800"/>
-            <a:ext cx="5437631" cy="4852765"/>
+            <a:off x="86499" y="1379093"/>
+            <a:ext cx="5437631" cy="5262283"/>
           </a:xfrm>
           <a:prstGeom prst="rect">
             <a:avLst/>
@@ -6043,55 +6043,10 @@
       </p:sp>
       <p:pic>
         <p:nvPicPr>
-          <p:cNvPr id="5" name="Picture 2">
-            <a:extLst>
-              <a:ext uri="{FF2B5EF4-FFF2-40B4-BE49-F238E27FC236}">
-                <a16:creationId xmlns:a16="http://schemas.microsoft.com/office/drawing/2014/main" id="{76D909A6-695D-8A51-5609-5BA41831B4FD}"/>
-              </a:ext>
-            </a:extLst>
-          </p:cNvPr>
-          <p:cNvPicPr>
-            <a:picLocks noChangeAspect="1" noChangeArrowheads="1"/>
-          </p:cNvPicPr>
-          <p:nvPr/>
-        </p:nvPicPr>
-        <p:blipFill rotWithShape="1">
-          <a:blip r:embed="rId4">
-            <a:extLst>
-              <a:ext uri="{28A0092B-C50C-407E-A947-70E740481C1C}">
-                <a14:useLocalDpi xmlns:a14="http://schemas.microsoft.com/office/drawing/2010/main" val="0"/>
-              </a:ext>
-            </a:extLst>
-          </a:blip>
-          <a:srcRect l="4203" t="552" b="92155"/>
-          <a:stretch/>
-        </p:blipFill>
-        <p:spPr bwMode="auto">
-          <a:xfrm>
-            <a:off x="158496" y="1262395"/>
-            <a:ext cx="7927531" cy="402336"/>
-          </a:xfrm>
-          <a:prstGeom prst="rect">
-            <a:avLst/>
-          </a:prstGeom>
-          <a:noFill/>
-          <a:extLst>
-            <a:ext uri="{909E8E84-426E-40DD-AFC4-6F175D3DCCD1}">
-              <a14:hiddenFill xmlns:a14="http://schemas.microsoft.com/office/drawing/2010/main">
-                <a:solidFill>
-                  <a:srgbClr val="FFFFFF"/>
-                </a:solidFill>
-              </a14:hiddenFill>
-            </a:ext>
-          </a:extLst>
-        </p:spPr>
-      </p:pic>
-      <p:pic>
-        <p:nvPicPr>
-          <p:cNvPr id="2050" name="Picture 2">
-            <a:extLst>
-              <a:ext uri="{FF2B5EF4-FFF2-40B4-BE49-F238E27FC236}">
-                <a16:creationId xmlns:a16="http://schemas.microsoft.com/office/drawing/2014/main" id="{E889D444-7263-C78B-AFB8-354109FCE875}"/>
+          <p:cNvPr id="1034" name="Picture 10">
+            <a:extLst>
+              <a:ext uri="{FF2B5EF4-FFF2-40B4-BE49-F238E27FC236}">
+                <a16:creationId xmlns:a16="http://schemas.microsoft.com/office/drawing/2014/main" id="{148951C2-61E1-B521-10C0-9D15774489D5}"/>
               </a:ext>
             </a:extLst>
           </p:cNvPr>
@@ -6101,7 +6056,7 @@
           <p:nvPr/>
         </p:nvPicPr>
         <p:blipFill>
-          <a:blip r:embed="rId5">
+          <a:blip r:embed="rId4">
             <a:extLst>
               <a:ext uri="{28A0092B-C50C-407E-A947-70E740481C1C}">
                 <a14:useLocalDpi xmlns:a14="http://schemas.microsoft.com/office/drawing/2010/main" val="0"/>
@@ -6115,8 +6070,8 @@
         </p:blipFill>
         <p:spPr bwMode="auto">
           <a:xfrm>
-            <a:off x="4954120" y="1664731"/>
-            <a:ext cx="7237880" cy="4825253"/>
+            <a:off x="4865558" y="1559122"/>
+            <a:ext cx="7326442" cy="4884294"/>
           </a:xfrm>
           <a:prstGeom prst="rect">
             <a:avLst/>

--- a/DemoDay.pptx
+++ b/DemoDay.pptx
@@ -1303,47 +1303,12 @@
           <a:chExt cx="0" cy="0"/>
         </a:xfrm>
       </p:grpSpPr>
-      <p:pic>
-        <p:nvPicPr>
-          <p:cNvPr id="10" name="Image 9" descr="Une image contenant jaune, Police, logo, Graphique&#10;&#10;Description générée automatiquement">
-            <a:extLst>
-              <a:ext uri="{FF2B5EF4-FFF2-40B4-BE49-F238E27FC236}">
-                <a16:creationId xmlns:a16="http://schemas.microsoft.com/office/drawing/2014/main" id="{25A0EB40-7A55-8D4B-FFB3-C58E398C9390}"/>
-              </a:ext>
-            </a:extLst>
-          </p:cNvPr>
-          <p:cNvPicPr>
-            <a:picLocks noChangeAspect="1"/>
-          </p:cNvPicPr>
-          <p:nvPr userDrawn="1"/>
-        </p:nvPicPr>
-        <p:blipFill rotWithShape="1">
-          <a:blip r:embed="rId2">
-            <a:extLst>
-              <a:ext uri="{28A0092B-C50C-407E-A947-70E740481C1C}">
-                <a14:useLocalDpi xmlns:a14="http://schemas.microsoft.com/office/drawing/2010/main" val="0"/>
-              </a:ext>
-            </a:extLst>
-          </a:blip>
-          <a:srcRect t="8224" b="8224"/>
-          <a:stretch/>
-        </p:blipFill>
-        <p:spPr>
-          <a:xfrm>
-            <a:off x="0" y="580101"/>
-            <a:ext cx="6556112" cy="5442012"/>
-          </a:xfrm>
-          <a:prstGeom prst="rect">
-            <a:avLst/>
-          </a:prstGeom>
-        </p:spPr>
-      </p:pic>
-      <p:sp>
-        <p:nvSpPr>
-          <p:cNvPr id="11" name="Rectangle 10">
-            <a:extLst>
-              <a:ext uri="{FF2B5EF4-FFF2-40B4-BE49-F238E27FC236}">
-                <a16:creationId xmlns:a16="http://schemas.microsoft.com/office/drawing/2014/main" id="{031A9E2F-D711-8AB1-E2F0-42B8D639F466}"/>
+      <p:sp>
+        <p:nvSpPr>
+          <p:cNvPr id="13" name="Rectangle 12">
+            <a:extLst>
+              <a:ext uri="{FF2B5EF4-FFF2-40B4-BE49-F238E27FC236}">
+                <a16:creationId xmlns:a16="http://schemas.microsoft.com/office/drawing/2014/main" id="{71651466-9A99-8C49-D16B-4FF0A8FC8ADA}"/>
               </a:ext>
             </a:extLst>
           </p:cNvPr>
@@ -1352,14 +1317,14 @@
         </p:nvSpPr>
         <p:spPr>
           <a:xfrm>
-            <a:off x="0" y="5561861"/>
-            <a:ext cx="6556112" cy="1296139"/>
+            <a:off x="6556112" y="0"/>
+            <a:ext cx="5635888" cy="1296139"/>
           </a:xfrm>
           <a:prstGeom prst="rect">
             <a:avLst/>
           </a:prstGeom>
           <a:solidFill>
-            <a:srgbClr val="F7A901"/>
+            <a:schemeClr val="bg1"/>
           </a:solidFill>
           <a:ln>
             <a:noFill/>
@@ -1392,10 +1357,120 @@
       </p:sp>
       <p:sp>
         <p:nvSpPr>
-          <p:cNvPr id="12" name="Rectangle 11">
-            <a:extLst>
-              <a:ext uri="{FF2B5EF4-FFF2-40B4-BE49-F238E27FC236}">
-                <a16:creationId xmlns:a16="http://schemas.microsoft.com/office/drawing/2014/main" id="{05D9CFD4-545D-C227-B2FC-C056D09C02FB}"/>
+          <p:cNvPr id="9" name="Espace réservé du titre 1">
+            <a:extLst>
+              <a:ext uri="{FF2B5EF4-FFF2-40B4-BE49-F238E27FC236}">
+                <a16:creationId xmlns:a16="http://schemas.microsoft.com/office/drawing/2014/main" id="{A1CEE412-1119-BCDD-B9C9-363151510471}"/>
+              </a:ext>
+            </a:extLst>
+          </p:cNvPr>
+          <p:cNvSpPr>
+            <a:spLocks noGrp="1"/>
+          </p:cNvSpPr>
+          <p:nvPr>
+            <p:ph type="title"/>
+          </p:nvPr>
+        </p:nvSpPr>
+        <p:spPr>
+          <a:xfrm>
+            <a:off x="6617157" y="51788"/>
+            <a:ext cx="5513797" cy="1296138"/>
+          </a:xfrm>
+          <a:prstGeom prst="rect">
+            <a:avLst/>
+          </a:prstGeom>
+        </p:spPr>
+        <p:txBody>
+          <a:bodyPr vert="horz" lIns="91440" tIns="45720" rIns="91440" bIns="45720" rtlCol="0" anchor="ctr">
+            <a:noAutofit/>
+          </a:bodyPr>
+          <a:lstStyle>
+            <a:lvl1pPr algn="ctr">
+              <a:defRPr sz="4000">
+                <a:solidFill>
+                  <a:schemeClr val="tx1"/>
+                </a:solidFill>
+              </a:defRPr>
+            </a:lvl1pPr>
+          </a:lstStyle>
+          <a:p>
+            <a:r>
+              <a:rPr lang="fr-FR" dirty="0"/>
+              <a:t>Modifiez le style du titre</a:t>
+            </a:r>
+            <a:endParaRPr lang="en-US" dirty="0"/>
+          </a:p>
+        </p:txBody>
+      </p:sp>
+      <p:sp>
+        <p:nvSpPr>
+          <p:cNvPr id="16" name="Espace réservé du contenu 15">
+            <a:extLst>
+              <a:ext uri="{FF2B5EF4-FFF2-40B4-BE49-F238E27FC236}">
+                <a16:creationId xmlns:a16="http://schemas.microsoft.com/office/drawing/2014/main" id="{CBEE86ED-C6B9-2F75-73BE-5CF317827473}"/>
+              </a:ext>
+            </a:extLst>
+          </p:cNvPr>
+          <p:cNvSpPr>
+            <a:spLocks noGrp="1"/>
+          </p:cNvSpPr>
+          <p:nvPr>
+            <p:ph sz="quarter" idx="10"/>
+          </p:nvPr>
+        </p:nvSpPr>
+        <p:spPr>
+          <a:xfrm>
+            <a:off x="6617158" y="1400174"/>
+            <a:ext cx="5514518" cy="5406037"/>
+          </a:xfrm>
+        </p:spPr>
+        <p:txBody>
+          <a:bodyPr/>
+          <a:lstStyle/>
+          <a:p>
+            <a:pPr lvl="0"/>
+            <a:r>
+              <a:rPr lang="fr-FR"/>
+              <a:t>Cliquez pour modifier les styles du texte du masque</a:t>
+            </a:r>
+          </a:p>
+          <a:p>
+            <a:pPr lvl="1"/>
+            <a:r>
+              <a:rPr lang="fr-FR"/>
+              <a:t>Deuxième niveau</a:t>
+            </a:r>
+          </a:p>
+          <a:p>
+            <a:pPr lvl="2"/>
+            <a:r>
+              <a:rPr lang="fr-FR"/>
+              <a:t>Troisième niveau</a:t>
+            </a:r>
+          </a:p>
+          <a:p>
+            <a:pPr lvl="3"/>
+            <a:r>
+              <a:rPr lang="fr-FR"/>
+              <a:t>Quatrième niveau</a:t>
+            </a:r>
+          </a:p>
+          <a:p>
+            <a:pPr lvl="4"/>
+            <a:r>
+              <a:rPr lang="fr-FR"/>
+              <a:t>Cinquième niveau</a:t>
+            </a:r>
+            <a:endParaRPr lang="en-US"/>
+          </a:p>
+        </p:txBody>
+      </p:sp>
+      <p:sp>
+        <p:nvSpPr>
+          <p:cNvPr id="4" name="Rectangle 3">
+            <a:extLst>
+              <a:ext uri="{FF2B5EF4-FFF2-40B4-BE49-F238E27FC236}">
+                <a16:creationId xmlns:a16="http://schemas.microsoft.com/office/drawing/2014/main" id="{7BF7883A-900E-DACE-D8CE-B2039C43B1E3}"/>
               </a:ext>
             </a:extLst>
           </p:cNvPr>
@@ -1404,7 +1479,7 @@
         </p:nvSpPr>
         <p:spPr>
           <a:xfrm>
-            <a:off x="0" y="103574"/>
+            <a:off x="0" y="5561861"/>
             <a:ext cx="6556112" cy="1296139"/>
           </a:xfrm>
           <a:prstGeom prst="rect">
@@ -1444,10 +1519,10 @@
       </p:sp>
       <p:sp>
         <p:nvSpPr>
-          <p:cNvPr id="13" name="Rectangle 12">
-            <a:extLst>
-              <a:ext uri="{FF2B5EF4-FFF2-40B4-BE49-F238E27FC236}">
-                <a16:creationId xmlns:a16="http://schemas.microsoft.com/office/drawing/2014/main" id="{71651466-9A99-8C49-D16B-4FF0A8FC8ADA}"/>
+          <p:cNvPr id="5" name="Rectangle 4">
+            <a:extLst>
+              <a:ext uri="{FF2B5EF4-FFF2-40B4-BE49-F238E27FC236}">
+                <a16:creationId xmlns:a16="http://schemas.microsoft.com/office/drawing/2014/main" id="{00DA8F86-A355-C8A9-34E0-877E7A78ECF5}"/>
               </a:ext>
             </a:extLst>
           </p:cNvPr>
@@ -1456,14 +1531,14 @@
         </p:nvSpPr>
         <p:spPr>
           <a:xfrm>
-            <a:off x="6556112" y="0"/>
-            <a:ext cx="5635888" cy="1296139"/>
+            <a:off x="0" y="0"/>
+            <a:ext cx="6556112" cy="1296139"/>
           </a:xfrm>
           <a:prstGeom prst="rect">
             <a:avLst/>
           </a:prstGeom>
           <a:solidFill>
-            <a:schemeClr val="bg1"/>
+            <a:srgbClr val="F7A901"/>
           </a:solidFill>
           <a:ln>
             <a:noFill/>
@@ -1494,116 +1569,42 @@
           </a:p>
         </p:txBody>
       </p:sp>
-      <p:sp>
-        <p:nvSpPr>
-          <p:cNvPr id="9" name="Espace réservé du titre 1">
-            <a:extLst>
-              <a:ext uri="{FF2B5EF4-FFF2-40B4-BE49-F238E27FC236}">
-                <a16:creationId xmlns:a16="http://schemas.microsoft.com/office/drawing/2014/main" id="{A1CEE412-1119-BCDD-B9C9-363151510471}"/>
-              </a:ext>
-            </a:extLst>
-          </p:cNvPr>
-          <p:cNvSpPr>
-            <a:spLocks noGrp="1"/>
-          </p:cNvSpPr>
-          <p:nvPr>
-            <p:ph type="title"/>
-          </p:nvPr>
-        </p:nvSpPr>
+      <p:pic>
+        <p:nvPicPr>
+          <p:cNvPr id="6" name="Image 5" descr="Une image contenant Police, Graphique, logo, texte&#10;&#10;Description générée automatiquement">
+            <a:extLst>
+              <a:ext uri="{FF2B5EF4-FFF2-40B4-BE49-F238E27FC236}">
+                <a16:creationId xmlns:a16="http://schemas.microsoft.com/office/drawing/2014/main" id="{9B4EA7CD-3468-5A4D-B036-38CF99160AB7}"/>
+              </a:ext>
+            </a:extLst>
+          </p:cNvPr>
+          <p:cNvPicPr>
+            <a:picLocks noChangeAspect="1"/>
+          </p:cNvPicPr>
+          <p:nvPr userDrawn="1"/>
+        </p:nvPicPr>
+        <p:blipFill>
+          <a:blip r:embed="rId2">
+            <a:extLst>
+              <a:ext uri="{28A0092B-C50C-407E-A947-70E740481C1C}">
+                <a14:useLocalDpi xmlns:a14="http://schemas.microsoft.com/office/drawing/2010/main" val="0"/>
+              </a:ext>
+            </a:extLst>
+          </a:blip>
+          <a:stretch>
+            <a:fillRect/>
+          </a:stretch>
+        </p:blipFill>
         <p:spPr>
           <a:xfrm>
-            <a:off x="6617157" y="51788"/>
-            <a:ext cx="5513797" cy="1296138"/>
+            <a:off x="145001" y="2456893"/>
+            <a:ext cx="6202087" cy="1944209"/>
           </a:xfrm>
           <a:prstGeom prst="rect">
             <a:avLst/>
           </a:prstGeom>
         </p:spPr>
-        <p:txBody>
-          <a:bodyPr vert="horz" lIns="91440" tIns="45720" rIns="91440" bIns="45720" rtlCol="0" anchor="ctr">
-            <a:noAutofit/>
-          </a:bodyPr>
-          <a:lstStyle>
-            <a:lvl1pPr algn="ctr">
-              <a:defRPr sz="4000">
-                <a:solidFill>
-                  <a:schemeClr val="tx1"/>
-                </a:solidFill>
-              </a:defRPr>
-            </a:lvl1pPr>
-          </a:lstStyle>
-          <a:p>
-            <a:r>
-              <a:rPr lang="fr-FR" dirty="0"/>
-              <a:t>Modifiez le style du titre</a:t>
-            </a:r>
-            <a:endParaRPr lang="en-US" dirty="0"/>
-          </a:p>
-        </p:txBody>
-      </p:sp>
-      <p:sp>
-        <p:nvSpPr>
-          <p:cNvPr id="16" name="Espace réservé du contenu 15">
-            <a:extLst>
-              <a:ext uri="{FF2B5EF4-FFF2-40B4-BE49-F238E27FC236}">
-                <a16:creationId xmlns:a16="http://schemas.microsoft.com/office/drawing/2014/main" id="{CBEE86ED-C6B9-2F75-73BE-5CF317827473}"/>
-              </a:ext>
-            </a:extLst>
-          </p:cNvPr>
-          <p:cNvSpPr>
-            <a:spLocks noGrp="1"/>
-          </p:cNvSpPr>
-          <p:nvPr>
-            <p:ph sz="quarter" idx="10"/>
-          </p:nvPr>
-        </p:nvSpPr>
-        <p:spPr>
-          <a:xfrm>
-            <a:off x="6617158" y="1400174"/>
-            <a:ext cx="5514518" cy="5406037"/>
-          </a:xfrm>
-        </p:spPr>
-        <p:txBody>
-          <a:bodyPr/>
-          <a:lstStyle/>
-          <a:p>
-            <a:pPr lvl="0"/>
-            <a:r>
-              <a:rPr lang="fr-FR"/>
-              <a:t>Cliquez pour modifier les styles du texte du masque</a:t>
-            </a:r>
-          </a:p>
-          <a:p>
-            <a:pPr lvl="1"/>
-            <a:r>
-              <a:rPr lang="fr-FR"/>
-              <a:t>Deuxième niveau</a:t>
-            </a:r>
-          </a:p>
-          <a:p>
-            <a:pPr lvl="2"/>
-            <a:r>
-              <a:rPr lang="fr-FR"/>
-              <a:t>Troisième niveau</a:t>
-            </a:r>
-          </a:p>
-          <a:p>
-            <a:pPr lvl="3"/>
-            <a:r>
-              <a:rPr lang="fr-FR"/>
-              <a:t>Quatrième niveau</a:t>
-            </a:r>
-          </a:p>
-          <a:p>
-            <a:pPr lvl="4"/>
-            <a:r>
-              <a:rPr lang="fr-FR"/>
-              <a:t>Cinquième niveau</a:t>
-            </a:r>
-            <a:endParaRPr lang="en-US"/>
-          </a:p>
-        </p:txBody>
-      </p:sp>
+      </p:pic>
     </p:spTree>
     <p:extLst>
       <p:ext uri="{BB962C8B-B14F-4D97-AF65-F5344CB8AC3E}">
@@ -1634,41 +1635,6 @@
           <a:chExt cx="0" cy="0"/>
         </a:xfrm>
       </p:grpSpPr>
-      <p:pic>
-        <p:nvPicPr>
-          <p:cNvPr id="10" name="Image 9" descr="Une image contenant jaune, Police, logo, Graphique&#10;&#10;Description générée automatiquement">
-            <a:extLst>
-              <a:ext uri="{FF2B5EF4-FFF2-40B4-BE49-F238E27FC236}">
-                <a16:creationId xmlns:a16="http://schemas.microsoft.com/office/drawing/2014/main" id="{25A0EB40-7A55-8D4B-FFB3-C58E398C9390}"/>
-              </a:ext>
-            </a:extLst>
-          </p:cNvPr>
-          <p:cNvPicPr>
-            <a:picLocks noChangeAspect="1"/>
-          </p:cNvPicPr>
-          <p:nvPr userDrawn="1"/>
-        </p:nvPicPr>
-        <p:blipFill rotWithShape="1">
-          <a:blip r:embed="rId2">
-            <a:extLst>
-              <a:ext uri="{28A0092B-C50C-407E-A947-70E740481C1C}">
-                <a14:useLocalDpi xmlns:a14="http://schemas.microsoft.com/office/drawing/2010/main" val="0"/>
-              </a:ext>
-            </a:extLst>
-          </a:blip>
-          <a:srcRect t="8224" b="8224"/>
-          <a:stretch/>
-        </p:blipFill>
-        <p:spPr>
-          <a:xfrm>
-            <a:off x="0" y="580101"/>
-            <a:ext cx="6556112" cy="5442012"/>
-          </a:xfrm>
-          <a:prstGeom prst="rect">
-            <a:avLst/>
-          </a:prstGeom>
-        </p:spPr>
-      </p:pic>
       <p:sp>
         <p:nvSpPr>
           <p:cNvPr id="11" name="Rectangle 10">
@@ -1735,7 +1701,7 @@
         </p:nvSpPr>
         <p:spPr>
           <a:xfrm>
-            <a:off x="0" y="103574"/>
+            <a:off x="0" y="0"/>
             <a:ext cx="6556112" cy="1296139"/>
           </a:xfrm>
           <a:prstGeom prst="rect">
@@ -1872,6 +1838,42 @@
           </a:p>
         </p:txBody>
       </p:sp>
+      <p:pic>
+        <p:nvPicPr>
+          <p:cNvPr id="3" name="Image 2" descr="Une image contenant Police, Graphique, logo, texte&#10;&#10;Description générée automatiquement">
+            <a:extLst>
+              <a:ext uri="{FF2B5EF4-FFF2-40B4-BE49-F238E27FC236}">
+                <a16:creationId xmlns:a16="http://schemas.microsoft.com/office/drawing/2014/main" id="{7ABD5D00-7AF3-54A5-171C-1591C0609727}"/>
+              </a:ext>
+            </a:extLst>
+          </p:cNvPr>
+          <p:cNvPicPr>
+            <a:picLocks noChangeAspect="1"/>
+          </p:cNvPicPr>
+          <p:nvPr userDrawn="1"/>
+        </p:nvPicPr>
+        <p:blipFill>
+          <a:blip r:embed="rId2">
+            <a:extLst>
+              <a:ext uri="{28A0092B-C50C-407E-A947-70E740481C1C}">
+                <a14:useLocalDpi xmlns:a14="http://schemas.microsoft.com/office/drawing/2010/main" val="0"/>
+              </a:ext>
+            </a:extLst>
+          </a:blip>
+          <a:stretch>
+            <a:fillRect/>
+          </a:stretch>
+        </p:blipFill>
+        <p:spPr>
+          <a:xfrm>
+            <a:off x="145001" y="2456893"/>
+            <a:ext cx="6202087" cy="1944209"/>
+          </a:xfrm>
+          <a:prstGeom prst="rect">
+            <a:avLst/>
+          </a:prstGeom>
+        </p:spPr>
+      </p:pic>
     </p:spTree>
     <p:extLst>
       <p:ext uri="{BB962C8B-B14F-4D97-AF65-F5344CB8AC3E}">
@@ -2361,41 +2363,6 @@
           </a:p>
         </p:txBody>
       </p:sp>
-      <p:pic>
-        <p:nvPicPr>
-          <p:cNvPr id="9" name="Image 8" descr="Une image contenant jaune, Police, logo, Graphique&#10;&#10;Description générée automatiquement">
-            <a:extLst>
-              <a:ext uri="{FF2B5EF4-FFF2-40B4-BE49-F238E27FC236}">
-                <a16:creationId xmlns:a16="http://schemas.microsoft.com/office/drawing/2014/main" id="{E2BA7170-09D1-1526-A8E1-4690A23D3BA3}"/>
-              </a:ext>
-            </a:extLst>
-          </p:cNvPr>
-          <p:cNvPicPr>
-            <a:picLocks noChangeAspect="1"/>
-          </p:cNvPicPr>
-          <p:nvPr userDrawn="1"/>
-        </p:nvPicPr>
-        <p:blipFill rotWithShape="1">
-          <a:blip r:embed="rId7">
-            <a:extLst>
-              <a:ext uri="{28A0092B-C50C-407E-A947-70E740481C1C}">
-                <a14:useLocalDpi xmlns:a14="http://schemas.microsoft.com/office/drawing/2010/main" val="0"/>
-              </a:ext>
-            </a:extLst>
-          </a:blip>
-          <a:srcRect t="8224" b="8224"/>
-          <a:stretch/>
-        </p:blipFill>
-        <p:spPr>
-          <a:xfrm>
-            <a:off x="1" y="-1"/>
-            <a:ext cx="1371599" cy="1138519"/>
-          </a:xfrm>
-          <a:prstGeom prst="rect">
-            <a:avLst/>
-          </a:prstGeom>
-        </p:spPr>
-      </p:pic>
       <p:sp>
         <p:nvSpPr>
           <p:cNvPr id="10" name="Rectangle 9">
@@ -2410,8 +2377,8 @@
         </p:nvSpPr>
         <p:spPr>
           <a:xfrm>
-            <a:off x="1371600" y="-1"/>
-            <a:ext cx="10820399" cy="1138519"/>
+            <a:off x="0" y="-1"/>
+            <a:ext cx="12191999" cy="1138519"/>
           </a:xfrm>
           <a:prstGeom prst="rect">
             <a:avLst/>
